--- a/diagrama_2.pptx
+++ b/diagrama_2.pptx
@@ -107,7 +107,7 @@
   <p:extLst>
     <p:ext uri="{EFAFB233-063F-42B5-8137-9DF3F51BA10A}">
       <p15:sldGuideLst xmlns:p15="http://schemas.microsoft.com/office/powerpoint/2012/main">
-        <p15:guide id="1" orient="horz" pos="2160" userDrawn="1">
+        <p15:guide id="1" orient="horz" pos="2659" userDrawn="1">
           <p15:clr>
             <a:srgbClr val="A4A3A4"/>
           </p15:clr>
@@ -272,7 +272,7 @@
           <a:p>
             <a:fld id="{868D175A-1535-BD48-B419-F97511B25387}" type="datetimeFigureOut">
               <a:rPr lang="en-MX" smtClean="0"/>
-              <a:t>2/5/20</a:t>
+              <a:t>2/6/20</a:t>
             </a:fld>
             <a:endParaRPr lang="en-MX"/>
           </a:p>
@@ -472,7 +472,7 @@
           <a:p>
             <a:fld id="{868D175A-1535-BD48-B419-F97511B25387}" type="datetimeFigureOut">
               <a:rPr lang="en-MX" smtClean="0"/>
-              <a:t>2/5/20</a:t>
+              <a:t>2/6/20</a:t>
             </a:fld>
             <a:endParaRPr lang="en-MX"/>
           </a:p>
@@ -682,7 +682,7 @@
           <a:p>
             <a:fld id="{868D175A-1535-BD48-B419-F97511B25387}" type="datetimeFigureOut">
               <a:rPr lang="en-MX" smtClean="0"/>
-              <a:t>2/5/20</a:t>
+              <a:t>2/6/20</a:t>
             </a:fld>
             <a:endParaRPr lang="en-MX"/>
           </a:p>
@@ -882,7 +882,7 @@
           <a:p>
             <a:fld id="{868D175A-1535-BD48-B419-F97511B25387}" type="datetimeFigureOut">
               <a:rPr lang="en-MX" smtClean="0"/>
-              <a:t>2/5/20</a:t>
+              <a:t>2/6/20</a:t>
             </a:fld>
             <a:endParaRPr lang="en-MX"/>
           </a:p>
@@ -1158,7 +1158,7 @@
           <a:p>
             <a:fld id="{868D175A-1535-BD48-B419-F97511B25387}" type="datetimeFigureOut">
               <a:rPr lang="en-MX" smtClean="0"/>
-              <a:t>2/5/20</a:t>
+              <a:t>2/6/20</a:t>
             </a:fld>
             <a:endParaRPr lang="en-MX"/>
           </a:p>
@@ -1426,7 +1426,7 @@
           <a:p>
             <a:fld id="{868D175A-1535-BD48-B419-F97511B25387}" type="datetimeFigureOut">
               <a:rPr lang="en-MX" smtClean="0"/>
-              <a:t>2/5/20</a:t>
+              <a:t>2/6/20</a:t>
             </a:fld>
             <a:endParaRPr lang="en-MX"/>
           </a:p>
@@ -1841,7 +1841,7 @@
           <a:p>
             <a:fld id="{868D175A-1535-BD48-B419-F97511B25387}" type="datetimeFigureOut">
               <a:rPr lang="en-MX" smtClean="0"/>
-              <a:t>2/5/20</a:t>
+              <a:t>2/6/20</a:t>
             </a:fld>
             <a:endParaRPr lang="en-MX"/>
           </a:p>
@@ -1983,7 +1983,7 @@
           <a:p>
             <a:fld id="{868D175A-1535-BD48-B419-F97511B25387}" type="datetimeFigureOut">
               <a:rPr lang="en-MX" smtClean="0"/>
-              <a:t>2/5/20</a:t>
+              <a:t>2/6/20</a:t>
             </a:fld>
             <a:endParaRPr lang="en-MX"/>
           </a:p>
@@ -2096,7 +2096,7 @@
           <a:p>
             <a:fld id="{868D175A-1535-BD48-B419-F97511B25387}" type="datetimeFigureOut">
               <a:rPr lang="en-MX" smtClean="0"/>
-              <a:t>2/5/20</a:t>
+              <a:t>2/6/20</a:t>
             </a:fld>
             <a:endParaRPr lang="en-MX"/>
           </a:p>
@@ -2409,7 +2409,7 @@
           <a:p>
             <a:fld id="{868D175A-1535-BD48-B419-F97511B25387}" type="datetimeFigureOut">
               <a:rPr lang="en-MX" smtClean="0"/>
-              <a:t>2/5/20</a:t>
+              <a:t>2/6/20</a:t>
             </a:fld>
             <a:endParaRPr lang="en-MX"/>
           </a:p>
@@ -2698,7 +2698,7 @@
           <a:p>
             <a:fld id="{868D175A-1535-BD48-B419-F97511B25387}" type="datetimeFigureOut">
               <a:rPr lang="en-MX" smtClean="0"/>
-              <a:t>2/5/20</a:t>
+              <a:t>2/6/20</a:t>
             </a:fld>
             <a:endParaRPr lang="en-MX"/>
           </a:p>
@@ -2941,7 +2941,7 @@
           <a:p>
             <a:fld id="{868D175A-1535-BD48-B419-F97511B25387}" type="datetimeFigureOut">
               <a:rPr lang="en-MX" smtClean="0"/>
-              <a:t>2/5/20</a:t>
+              <a:t>2/6/20</a:t>
             </a:fld>
             <a:endParaRPr lang="en-MX"/>
           </a:p>
@@ -3360,7 +3360,7 @@
       </p:grpSpPr>
       <p:sp>
         <p:nvSpPr>
-          <p:cNvPr id="4" name="Oval 3">
+          <p:cNvPr id="4" name="Rectangle 3">
             <a:extLst>
               <a:ext uri="{FF2B5EF4-FFF2-40B4-BE49-F238E27FC236}">
                 <a16:creationId xmlns:a16="http://schemas.microsoft.com/office/drawing/2014/main" id="{6366B92C-0BF5-3A40-8605-7D1DA9C0720D}"/>
@@ -3372,10 +3372,10 @@
         </p:nvSpPr>
         <p:spPr>
           <a:xfrm>
-            <a:off x="2477812" y="179848"/>
+            <a:off x="4733974" y="735810"/>
             <a:ext cx="1434663" cy="551793"/>
           </a:xfrm>
-          <a:prstGeom prst="ellipse">
+          <a:prstGeom prst="rect">
             <a:avLst/>
           </a:prstGeom>
         </p:spPr>
@@ -3402,7 +3402,7 @@
             <a:pPr algn="ctr"/>
             <a:r>
               <a:rPr lang="en-MX" dirty="0"/>
-              <a:t>Start</a:t>
+              <a:t>Introduce the inputs</a:t>
             </a:r>
           </a:p>
         </p:txBody>
@@ -3421,7 +3421,7 @@
         </p:nvSpPr>
         <p:spPr>
           <a:xfrm>
-            <a:off x="8668741" y="5939134"/>
+            <a:off x="8333770" y="6271839"/>
             <a:ext cx="1749973" cy="567559"/>
           </a:xfrm>
           <a:prstGeom prst="ellipse">
@@ -3451,7 +3451,7 @@
             <a:pPr algn="ctr"/>
             <a:r>
               <a:rPr lang="en-MX" dirty="0"/>
-              <a:t>Fin</a:t>
+              <a:t>End</a:t>
             </a:r>
           </a:p>
         </p:txBody>
@@ -3470,7 +3470,7 @@
         </p:nvSpPr>
         <p:spPr>
           <a:xfrm>
-            <a:off x="2257096" y="1193306"/>
+            <a:off x="4513258" y="1749268"/>
             <a:ext cx="1876096" cy="662152"/>
           </a:xfrm>
           <a:prstGeom prst="parallelogram">
@@ -3500,7 +3500,7 @@
             <a:pPr algn="ctr"/>
             <a:r>
               <a:rPr lang="en-MX" dirty="0"/>
-              <a:t>Nucleous tarject</a:t>
+              <a:t>Nucleus targets</a:t>
             </a:r>
           </a:p>
         </p:txBody>
@@ -3519,7 +3519,7 @@
         </p:nvSpPr>
         <p:spPr>
           <a:xfrm>
-            <a:off x="4296105" y="1193306"/>
+            <a:off x="6552267" y="1749268"/>
             <a:ext cx="1781503" cy="662152"/>
           </a:xfrm>
           <a:prstGeom prst="parallelogram">
@@ -3568,7 +3568,7 @@
         </p:nvSpPr>
         <p:spPr>
           <a:xfrm>
-            <a:off x="299544" y="1193306"/>
+            <a:off x="2555706" y="1749268"/>
             <a:ext cx="1876096" cy="662152"/>
           </a:xfrm>
           <a:prstGeom prst="parallelogram">
@@ -3617,7 +3617,7 @@
         </p:nvSpPr>
         <p:spPr>
           <a:xfrm>
-            <a:off x="2175640" y="2222938"/>
+            <a:off x="4513257" y="2766789"/>
             <a:ext cx="1876096" cy="1639614"/>
           </a:xfrm>
           <a:prstGeom prst="diamond">
@@ -3647,7 +3647,7 @@
             <a:pPr algn="ctr"/>
             <a:r>
               <a:rPr lang="en-MX" dirty="0"/>
-              <a:t>Testing</a:t>
+              <a:t>Are the inputs correct?</a:t>
             </a:r>
           </a:p>
         </p:txBody>
@@ -3666,8 +3666,8 @@
         </p:nvSpPr>
         <p:spPr>
           <a:xfrm>
-            <a:off x="2257096" y="4205810"/>
-            <a:ext cx="1876096" cy="1087821"/>
+            <a:off x="2555705" y="4568645"/>
+            <a:ext cx="1876096" cy="360000"/>
           </a:xfrm>
           <a:prstGeom prst="rect">
             <a:avLst/>
@@ -3715,8 +3715,8 @@
         </p:nvSpPr>
         <p:spPr>
           <a:xfrm>
-            <a:off x="1653996" y="5516855"/>
-            <a:ext cx="2642109" cy="1200329"/>
+            <a:off x="1788913" y="5357779"/>
+            <a:ext cx="2642109" cy="646331"/>
           </a:xfrm>
           <a:prstGeom prst="rect">
             <a:avLst/>
@@ -3742,43 +3742,10 @@
           </a:bodyPr>
           <a:lstStyle/>
           <a:p>
+            <a:pPr algn="ctr"/>
             <a:r>
               <a:rPr lang="en-US" dirty="0"/>
-              <a:t>X</a:t>
-            </a:r>
-            <a:r>
-              <a:rPr lang="en-MX" dirty="0"/>
-              <a:t>_range = L – M</a:t>
-            </a:r>
-          </a:p>
-          <a:p>
-            <a:r>
-              <a:rPr lang="en-US" dirty="0"/>
-              <a:t>Y</a:t>
-            </a:r>
-            <a:r>
-              <a:rPr lang="en-MX" dirty="0"/>
-              <a:t>_range = V – D</a:t>
-            </a:r>
-          </a:p>
-          <a:p>
-            <a:r>
-              <a:rPr lang="en-US" dirty="0"/>
-              <a:t>A</a:t>
-            </a:r>
-            <a:r>
-              <a:rPr lang="en-MX" dirty="0"/>
-              <a:t>rea = x * y</a:t>
-            </a:r>
-          </a:p>
-          <a:p>
-            <a:r>
-              <a:rPr lang="en-US" dirty="0"/>
-              <a:t>C</a:t>
-            </a:r>
-            <a:r>
-              <a:rPr lang="en-MX" dirty="0"/>
-              <a:t>uadro_chido = max(area)</a:t>
+              <a:t>Determine the biggest area of the nucleus</a:t>
             </a:r>
           </a:p>
         </p:txBody>
@@ -3797,8 +3764,430 @@
         </p:nvSpPr>
         <p:spPr>
           <a:xfrm>
-            <a:off x="4972349" y="5761249"/>
-            <a:ext cx="3205655" cy="923330"/>
+            <a:off x="4971460" y="5329905"/>
+            <a:ext cx="2554329" cy="646331"/>
+          </a:xfrm>
+          <a:prstGeom prst="rect">
+            <a:avLst/>
+          </a:prstGeom>
+        </p:spPr>
+        <p:style>
+          <a:lnRef idx="3">
+            <a:schemeClr val="lt1"/>
+          </a:lnRef>
+          <a:fillRef idx="1">
+            <a:schemeClr val="accent1"/>
+          </a:fillRef>
+          <a:effectRef idx="1">
+            <a:schemeClr val="accent1"/>
+          </a:effectRef>
+          <a:fontRef idx="minor">
+            <a:schemeClr val="lt1"/>
+          </a:fontRef>
+        </p:style>
+        <p:txBody>
+          <a:bodyPr wrap="square" rtlCol="0">
+            <a:spAutoFit/>
+          </a:bodyPr>
+          <a:lstStyle/>
+          <a:p>
+            <a:pPr algn="ctr"/>
+            <a:r>
+              <a:rPr lang="en-US" dirty="0"/>
+              <a:t>Calculate the </a:t>
+            </a:r>
+          </a:p>
+          <a:p>
+            <a:pPr algn="ctr"/>
+            <a:r>
+              <a:rPr lang="en-US" dirty="0"/>
+              <a:t>final coordinates</a:t>
+            </a:r>
+          </a:p>
+        </p:txBody>
+      </p:sp>
+      <p:cxnSp>
+        <p:nvCxnSpPr>
+          <p:cNvPr id="12" name="Elbow Connector 11">
+            <a:extLst>
+              <a:ext uri="{FF2B5EF4-FFF2-40B4-BE49-F238E27FC236}">
+                <a16:creationId xmlns:a16="http://schemas.microsoft.com/office/drawing/2014/main" id="{6CEF42E0-5060-6A46-95C3-863B92DB165D}"/>
+              </a:ext>
+            </a:extLst>
+          </p:cNvPr>
+          <p:cNvCxnSpPr>
+            <a:endCxn id="7" idx="1"/>
+          </p:cNvCxnSpPr>
+          <p:nvPr/>
+        </p:nvCxnSpPr>
+        <p:spPr>
+          <a:xfrm rot="16200000" flipH="1">
+            <a:off x="6257715" y="481194"/>
+            <a:ext cx="461665" cy="2074482"/>
+          </a:xfrm>
+          <a:prstGeom prst="bentConnector3">
+            <a:avLst/>
+          </a:prstGeom>
+          <a:ln>
+            <a:tailEnd type="triangle"/>
+          </a:ln>
+        </p:spPr>
+        <p:style>
+          <a:lnRef idx="1">
+            <a:schemeClr val="accent1"/>
+          </a:lnRef>
+          <a:fillRef idx="0">
+            <a:schemeClr val="accent1"/>
+          </a:fillRef>
+          <a:effectRef idx="0">
+            <a:schemeClr val="accent1"/>
+          </a:effectRef>
+          <a:fontRef idx="minor">
+            <a:schemeClr val="tx1"/>
+          </a:fontRef>
+        </p:style>
+      </p:cxnSp>
+      <p:cxnSp>
+        <p:nvCxnSpPr>
+          <p:cNvPr id="16" name="Elbow Connector 15">
+            <a:extLst>
+              <a:ext uri="{FF2B5EF4-FFF2-40B4-BE49-F238E27FC236}">
+                <a16:creationId xmlns:a16="http://schemas.microsoft.com/office/drawing/2014/main" id="{43CB8A35-D226-7140-96FD-1B33A5F3E85C}"/>
+              </a:ext>
+            </a:extLst>
+          </p:cNvPr>
+          <p:cNvCxnSpPr>
+            <a:endCxn id="8" idx="1"/>
+          </p:cNvCxnSpPr>
+          <p:nvPr/>
+        </p:nvCxnSpPr>
+        <p:spPr>
+          <a:xfrm rot="5400000">
+            <a:off x="4283083" y="581044"/>
+            <a:ext cx="461665" cy="1874783"/>
+          </a:xfrm>
+          <a:prstGeom prst="bentConnector3">
+            <a:avLst/>
+          </a:prstGeom>
+          <a:ln>
+            <a:tailEnd type="triangle"/>
+          </a:ln>
+        </p:spPr>
+        <p:style>
+          <a:lnRef idx="1">
+            <a:schemeClr val="accent1"/>
+          </a:lnRef>
+          <a:fillRef idx="0">
+            <a:schemeClr val="accent1"/>
+          </a:fillRef>
+          <a:effectRef idx="0">
+            <a:schemeClr val="accent1"/>
+          </a:effectRef>
+          <a:fontRef idx="minor">
+            <a:schemeClr val="tx1"/>
+          </a:fontRef>
+        </p:style>
+      </p:cxnSp>
+      <p:cxnSp>
+        <p:nvCxnSpPr>
+          <p:cNvPr id="18" name="Straight Arrow Connector 17">
+            <a:extLst>
+              <a:ext uri="{FF2B5EF4-FFF2-40B4-BE49-F238E27FC236}">
+                <a16:creationId xmlns:a16="http://schemas.microsoft.com/office/drawing/2014/main" id="{A5BBBDDE-31DB-3A41-86CB-A8220DD69582}"/>
+              </a:ext>
+            </a:extLst>
+          </p:cNvPr>
+          <p:cNvCxnSpPr>
+            <a:endCxn id="6" idx="0"/>
+          </p:cNvCxnSpPr>
+          <p:nvPr/>
+        </p:nvCxnSpPr>
+        <p:spPr>
+          <a:xfrm>
+            <a:off x="5451306" y="1517659"/>
+            <a:ext cx="0" cy="231609"/>
+          </a:xfrm>
+          <a:prstGeom prst="straightConnector1">
+            <a:avLst/>
+          </a:prstGeom>
+          <a:ln>
+            <a:tailEnd type="triangle"/>
+          </a:ln>
+        </p:spPr>
+        <p:style>
+          <a:lnRef idx="1">
+            <a:schemeClr val="accent1"/>
+          </a:lnRef>
+          <a:fillRef idx="0">
+            <a:schemeClr val="accent1"/>
+          </a:fillRef>
+          <a:effectRef idx="0">
+            <a:schemeClr val="accent1"/>
+          </a:effectRef>
+          <a:fontRef idx="minor">
+            <a:schemeClr val="tx1"/>
+          </a:fontRef>
+        </p:style>
+      </p:cxnSp>
+      <p:cxnSp>
+        <p:nvCxnSpPr>
+          <p:cNvPr id="20" name="Elbow Connector 19">
+            <a:extLst>
+              <a:ext uri="{FF2B5EF4-FFF2-40B4-BE49-F238E27FC236}">
+                <a16:creationId xmlns:a16="http://schemas.microsoft.com/office/drawing/2014/main" id="{946A27AB-4A98-A241-A53B-87970CE9CEEF}"/>
+              </a:ext>
+            </a:extLst>
+          </p:cNvPr>
+          <p:cNvCxnSpPr>
+            <a:cxnSpLocks/>
+            <a:stCxn id="7" idx="4"/>
+          </p:cNvCxnSpPr>
+          <p:nvPr/>
+        </p:nvCxnSpPr>
+        <p:spPr>
+          <a:xfrm rot="5400000">
+            <a:off x="6361812" y="2206419"/>
+            <a:ext cx="876207" cy="1286209"/>
+          </a:xfrm>
+          <a:prstGeom prst="bentConnector2">
+            <a:avLst/>
+          </a:prstGeom>
+          <a:ln>
+            <a:tailEnd type="triangle"/>
+          </a:ln>
+        </p:spPr>
+        <p:style>
+          <a:lnRef idx="1">
+            <a:schemeClr val="accent1"/>
+          </a:lnRef>
+          <a:fillRef idx="0">
+            <a:schemeClr val="accent1"/>
+          </a:fillRef>
+          <a:effectRef idx="0">
+            <a:schemeClr val="accent1"/>
+          </a:effectRef>
+          <a:fontRef idx="minor">
+            <a:schemeClr val="tx1"/>
+          </a:fontRef>
+        </p:style>
+      </p:cxnSp>
+      <p:cxnSp>
+        <p:nvCxnSpPr>
+          <p:cNvPr id="22" name="Elbow Connector 21">
+            <a:extLst>
+              <a:ext uri="{FF2B5EF4-FFF2-40B4-BE49-F238E27FC236}">
+                <a16:creationId xmlns:a16="http://schemas.microsoft.com/office/drawing/2014/main" id="{C4087B99-6374-2F46-B62C-479B6E55892F}"/>
+              </a:ext>
+            </a:extLst>
+          </p:cNvPr>
+          <p:cNvCxnSpPr>
+            <a:cxnSpLocks/>
+            <a:stCxn id="8" idx="4"/>
+          </p:cNvCxnSpPr>
+          <p:nvPr/>
+        </p:nvCxnSpPr>
+        <p:spPr>
+          <a:xfrm rot="16200000" flipH="1">
+            <a:off x="3742273" y="2162901"/>
+            <a:ext cx="834492" cy="1331530"/>
+          </a:xfrm>
+          <a:prstGeom prst="bentConnector2">
+            <a:avLst/>
+          </a:prstGeom>
+          <a:ln>
+            <a:tailEnd type="triangle"/>
+          </a:ln>
+        </p:spPr>
+        <p:style>
+          <a:lnRef idx="1">
+            <a:schemeClr val="accent1"/>
+          </a:lnRef>
+          <a:fillRef idx="0">
+            <a:schemeClr val="accent1"/>
+          </a:fillRef>
+          <a:effectRef idx="0">
+            <a:schemeClr val="accent1"/>
+          </a:effectRef>
+          <a:fontRef idx="minor">
+            <a:schemeClr val="tx1"/>
+          </a:fontRef>
+        </p:style>
+      </p:cxnSp>
+      <p:cxnSp>
+        <p:nvCxnSpPr>
+          <p:cNvPr id="24" name="Straight Arrow Connector 23">
+            <a:extLst>
+              <a:ext uri="{FF2B5EF4-FFF2-40B4-BE49-F238E27FC236}">
+                <a16:creationId xmlns:a16="http://schemas.microsoft.com/office/drawing/2014/main" id="{92A857F1-F9E1-7E4F-8F88-7807EC915434}"/>
+              </a:ext>
+            </a:extLst>
+          </p:cNvPr>
+          <p:cNvCxnSpPr>
+            <a:stCxn id="6" idx="4"/>
+            <a:endCxn id="9" idx="0"/>
+          </p:cNvCxnSpPr>
+          <p:nvPr/>
+        </p:nvCxnSpPr>
+        <p:spPr>
+          <a:xfrm flipH="1">
+            <a:off x="5451305" y="2411420"/>
+            <a:ext cx="1" cy="355369"/>
+          </a:xfrm>
+          <a:prstGeom prst="straightConnector1">
+            <a:avLst/>
+          </a:prstGeom>
+          <a:ln>
+            <a:tailEnd type="triangle"/>
+          </a:ln>
+        </p:spPr>
+        <p:style>
+          <a:lnRef idx="1">
+            <a:schemeClr val="accent1"/>
+          </a:lnRef>
+          <a:fillRef idx="0">
+            <a:schemeClr val="accent1"/>
+          </a:fillRef>
+          <a:effectRef idx="0">
+            <a:schemeClr val="accent1"/>
+          </a:effectRef>
+          <a:fontRef idx="minor">
+            <a:schemeClr val="tx1"/>
+          </a:fontRef>
+        </p:style>
+      </p:cxnSp>
+      <p:cxnSp>
+        <p:nvCxnSpPr>
+          <p:cNvPr id="43" name="Straight Connector 42">
+            <a:extLst>
+              <a:ext uri="{FF2B5EF4-FFF2-40B4-BE49-F238E27FC236}">
+                <a16:creationId xmlns:a16="http://schemas.microsoft.com/office/drawing/2014/main" id="{2DD9561F-794A-8144-A8E5-07CFFDD34545}"/>
+              </a:ext>
+            </a:extLst>
+          </p:cNvPr>
+          <p:cNvCxnSpPr>
+            <a:cxnSpLocks/>
+          </p:cNvCxnSpPr>
+          <p:nvPr/>
+        </p:nvCxnSpPr>
+        <p:spPr>
+          <a:xfrm>
+            <a:off x="5597218" y="3984962"/>
+            <a:ext cx="3205655" cy="0"/>
+          </a:xfrm>
+          <a:prstGeom prst="line">
+            <a:avLst/>
+          </a:prstGeom>
+        </p:spPr>
+        <p:style>
+          <a:lnRef idx="1">
+            <a:schemeClr val="accent1"/>
+          </a:lnRef>
+          <a:fillRef idx="0">
+            <a:schemeClr val="accent1"/>
+          </a:fillRef>
+          <a:effectRef idx="0">
+            <a:schemeClr val="accent1"/>
+          </a:effectRef>
+          <a:fontRef idx="minor">
+            <a:schemeClr val="tx1"/>
+          </a:fontRef>
+        </p:style>
+      </p:cxnSp>
+      <p:cxnSp>
+        <p:nvCxnSpPr>
+          <p:cNvPr id="46" name="Straight Connector 45">
+            <a:extLst>
+              <a:ext uri="{FF2B5EF4-FFF2-40B4-BE49-F238E27FC236}">
+                <a16:creationId xmlns:a16="http://schemas.microsoft.com/office/drawing/2014/main" id="{BB64EB90-3D1B-4949-8230-A8FBF4C639A7}"/>
+              </a:ext>
+            </a:extLst>
+          </p:cNvPr>
+          <p:cNvCxnSpPr>
+            <a:cxnSpLocks/>
+          </p:cNvCxnSpPr>
+          <p:nvPr/>
+        </p:nvCxnSpPr>
+        <p:spPr>
+          <a:xfrm flipV="1">
+            <a:off x="8802873" y="1028925"/>
+            <a:ext cx="11099" cy="2956037"/>
+          </a:xfrm>
+          <a:prstGeom prst="line">
+            <a:avLst/>
+          </a:prstGeom>
+        </p:spPr>
+        <p:style>
+          <a:lnRef idx="1">
+            <a:schemeClr val="accent1"/>
+          </a:lnRef>
+          <a:fillRef idx="0">
+            <a:schemeClr val="accent1"/>
+          </a:fillRef>
+          <a:effectRef idx="0">
+            <a:schemeClr val="accent1"/>
+          </a:effectRef>
+          <a:fontRef idx="minor">
+            <a:schemeClr val="tx1"/>
+          </a:fontRef>
+        </p:style>
+      </p:cxnSp>
+      <p:cxnSp>
+        <p:nvCxnSpPr>
+          <p:cNvPr id="50" name="Straight Arrow Connector 49">
+            <a:extLst>
+              <a:ext uri="{FF2B5EF4-FFF2-40B4-BE49-F238E27FC236}">
+                <a16:creationId xmlns:a16="http://schemas.microsoft.com/office/drawing/2014/main" id="{3C1E1D89-CE4A-3E4F-B316-EEE5A949D616}"/>
+              </a:ext>
+            </a:extLst>
+          </p:cNvPr>
+          <p:cNvCxnSpPr>
+            <a:cxnSpLocks/>
+          </p:cNvCxnSpPr>
+          <p:nvPr/>
+        </p:nvCxnSpPr>
+        <p:spPr>
+          <a:xfrm flipH="1">
+            <a:off x="6168637" y="1028925"/>
+            <a:ext cx="2634236" cy="0"/>
+          </a:xfrm>
+          <a:prstGeom prst="straightConnector1">
+            <a:avLst/>
+          </a:prstGeom>
+          <a:ln>
+            <a:tailEnd type="triangle"/>
+          </a:ln>
+        </p:spPr>
+        <p:style>
+          <a:lnRef idx="1">
+            <a:schemeClr val="accent1"/>
+          </a:lnRef>
+          <a:fillRef idx="0">
+            <a:schemeClr val="accent1"/>
+          </a:fillRef>
+          <a:effectRef idx="0">
+            <a:schemeClr val="accent1"/>
+          </a:effectRef>
+          <a:fontRef idx="minor">
+            <a:schemeClr val="tx1"/>
+          </a:fontRef>
+        </p:style>
+      </p:cxnSp>
+      <p:sp>
+        <p:nvSpPr>
+          <p:cNvPr id="53" name="TextBox 52">
+            <a:extLst>
+              <a:ext uri="{FF2B5EF4-FFF2-40B4-BE49-F238E27FC236}">
+                <a16:creationId xmlns:a16="http://schemas.microsoft.com/office/drawing/2014/main" id="{A8B72F71-261D-5B4C-AF15-EF29EFB27E3F}"/>
+              </a:ext>
+            </a:extLst>
+          </p:cNvPr>
+          <p:cNvSpPr txBox="1"/>
+          <p:nvPr/>
+        </p:nvSpPr>
+        <p:spPr>
+          <a:xfrm>
+            <a:off x="6423700" y="3691330"/>
+            <a:ext cx="455574" cy="369332"/>
           </a:xfrm>
           <a:prstGeom prst="rect">
             <a:avLst/>
@@ -3806,42 +4195,441 @@
           <a:noFill/>
         </p:spPr>
         <p:txBody>
+          <a:bodyPr wrap="none" rtlCol="0">
+            <a:spAutoFit/>
+          </a:bodyPr>
+          <a:lstStyle/>
+          <a:p>
+            <a:r>
+              <a:rPr lang="en-MX" dirty="0"/>
+              <a:t>No</a:t>
+            </a:r>
+          </a:p>
+        </p:txBody>
+      </p:sp>
+      <p:cxnSp>
+        <p:nvCxnSpPr>
+          <p:cNvPr id="55" name="Straight Connector 54">
+            <a:extLst>
+              <a:ext uri="{FF2B5EF4-FFF2-40B4-BE49-F238E27FC236}">
+                <a16:creationId xmlns:a16="http://schemas.microsoft.com/office/drawing/2014/main" id="{B9068AE5-02E8-3340-A888-AC61AC2A80E4}"/>
+              </a:ext>
+            </a:extLst>
+          </p:cNvPr>
+          <p:cNvCxnSpPr>
+            <a:cxnSpLocks/>
+          </p:cNvCxnSpPr>
+          <p:nvPr/>
+        </p:nvCxnSpPr>
+        <p:spPr>
+          <a:xfrm flipH="1">
+            <a:off x="3493753" y="3984962"/>
+            <a:ext cx="1393643" cy="0"/>
+          </a:xfrm>
+          <a:prstGeom prst="line">
+            <a:avLst/>
+          </a:prstGeom>
+        </p:spPr>
+        <p:style>
+          <a:lnRef idx="1">
+            <a:schemeClr val="accent1"/>
+          </a:lnRef>
+          <a:fillRef idx="0">
+            <a:schemeClr val="accent1"/>
+          </a:fillRef>
+          <a:effectRef idx="0">
+            <a:schemeClr val="accent1"/>
+          </a:effectRef>
+          <a:fontRef idx="minor">
+            <a:schemeClr val="tx1"/>
+          </a:fontRef>
+        </p:style>
+      </p:cxnSp>
+      <p:cxnSp>
+        <p:nvCxnSpPr>
+          <p:cNvPr id="57" name="Straight Arrow Connector 56">
+            <a:extLst>
+              <a:ext uri="{FF2B5EF4-FFF2-40B4-BE49-F238E27FC236}">
+                <a16:creationId xmlns:a16="http://schemas.microsoft.com/office/drawing/2014/main" id="{A80C204F-D842-9B4F-B47E-CF7A2F1D7619}"/>
+              </a:ext>
+            </a:extLst>
+          </p:cNvPr>
+          <p:cNvCxnSpPr>
+            <a:cxnSpLocks/>
+          </p:cNvCxnSpPr>
+          <p:nvPr/>
+        </p:nvCxnSpPr>
+        <p:spPr>
+          <a:xfrm>
+            <a:off x="3493753" y="3984962"/>
+            <a:ext cx="0" cy="549496"/>
+          </a:xfrm>
+          <a:prstGeom prst="straightConnector1">
+            <a:avLst/>
+          </a:prstGeom>
+          <a:ln>
+            <a:tailEnd type="triangle"/>
+          </a:ln>
+        </p:spPr>
+        <p:style>
+          <a:lnRef idx="1">
+            <a:schemeClr val="accent1"/>
+          </a:lnRef>
+          <a:fillRef idx="0">
+            <a:schemeClr val="accent1"/>
+          </a:fillRef>
+          <a:effectRef idx="0">
+            <a:schemeClr val="accent1"/>
+          </a:effectRef>
+          <a:fontRef idx="minor">
+            <a:schemeClr val="tx1"/>
+          </a:fontRef>
+        </p:style>
+      </p:cxnSp>
+      <p:sp>
+        <p:nvSpPr>
+          <p:cNvPr id="60" name="TextBox 59">
+            <a:extLst>
+              <a:ext uri="{FF2B5EF4-FFF2-40B4-BE49-F238E27FC236}">
+                <a16:creationId xmlns:a16="http://schemas.microsoft.com/office/drawing/2014/main" id="{7D0CC528-D228-7346-9BB8-DA9CDA53DBE3}"/>
+              </a:ext>
+            </a:extLst>
+          </p:cNvPr>
+          <p:cNvSpPr txBox="1"/>
+          <p:nvPr/>
+        </p:nvSpPr>
+        <p:spPr>
+          <a:xfrm>
+            <a:off x="4093723" y="3691330"/>
+            <a:ext cx="485518" cy="369332"/>
+          </a:xfrm>
+          <a:prstGeom prst="rect">
+            <a:avLst/>
+          </a:prstGeom>
+          <a:noFill/>
+        </p:spPr>
+        <p:txBody>
+          <a:bodyPr wrap="none" rtlCol="0">
+            <a:spAutoFit/>
+          </a:bodyPr>
+          <a:lstStyle/>
+          <a:p>
+            <a:r>
+              <a:rPr lang="en-MX" dirty="0"/>
+              <a:t>Yes</a:t>
+            </a:r>
+          </a:p>
+        </p:txBody>
+      </p:sp>
+      <p:sp>
+        <p:nvSpPr>
+          <p:cNvPr id="66" name="Parallelogram 65">
+            <a:extLst>
+              <a:ext uri="{FF2B5EF4-FFF2-40B4-BE49-F238E27FC236}">
+                <a16:creationId xmlns:a16="http://schemas.microsoft.com/office/drawing/2014/main" id="{ECABF987-A108-9145-9DCB-F16F397C5C0C}"/>
+              </a:ext>
+            </a:extLst>
+          </p:cNvPr>
+          <p:cNvSpPr/>
+          <p:nvPr/>
+        </p:nvSpPr>
+        <p:spPr>
+          <a:xfrm>
+            <a:off x="7912577" y="4644529"/>
+            <a:ext cx="2925980" cy="1331707"/>
+          </a:xfrm>
+          <a:prstGeom prst="parallelogram">
+            <a:avLst/>
+          </a:prstGeom>
+        </p:spPr>
+        <p:style>
+          <a:lnRef idx="2">
+            <a:schemeClr val="accent1">
+              <a:shade val="50000"/>
+            </a:schemeClr>
+          </a:lnRef>
+          <a:fillRef idx="1">
+            <a:schemeClr val="accent1"/>
+          </a:fillRef>
+          <a:effectRef idx="0">
+            <a:schemeClr val="accent1"/>
+          </a:effectRef>
+          <a:fontRef idx="minor">
+            <a:schemeClr val="lt1"/>
+          </a:fontRef>
+        </p:style>
+        <p:txBody>
+          <a:bodyPr rtlCol="0" anchor="ctr"/>
+          <a:lstStyle/>
+          <a:p>
+            <a:pPr algn="ctr"/>
+            <a:r>
+              <a:rPr lang="en-MX" dirty="0"/>
+              <a:t>Final coordinates and txt file saving the results</a:t>
+            </a:r>
+          </a:p>
+        </p:txBody>
+      </p:sp>
+      <p:cxnSp>
+        <p:nvCxnSpPr>
+          <p:cNvPr id="68" name="Straight Arrow Connector 67">
+            <a:extLst>
+              <a:ext uri="{FF2B5EF4-FFF2-40B4-BE49-F238E27FC236}">
+                <a16:creationId xmlns:a16="http://schemas.microsoft.com/office/drawing/2014/main" id="{E77F0529-5C1F-C643-A92C-6ADF75E6ADEA}"/>
+              </a:ext>
+            </a:extLst>
+          </p:cNvPr>
+          <p:cNvCxnSpPr>
+            <a:cxnSpLocks/>
+          </p:cNvCxnSpPr>
+          <p:nvPr/>
+        </p:nvCxnSpPr>
+        <p:spPr>
+          <a:xfrm>
+            <a:off x="3489480" y="4877845"/>
+            <a:ext cx="0" cy="508016"/>
+          </a:xfrm>
+          <a:prstGeom prst="straightConnector1">
+            <a:avLst/>
+          </a:prstGeom>
+          <a:ln>
+            <a:tailEnd type="triangle"/>
+          </a:ln>
+        </p:spPr>
+        <p:style>
+          <a:lnRef idx="1">
+            <a:schemeClr val="accent1"/>
+          </a:lnRef>
+          <a:fillRef idx="0">
+            <a:schemeClr val="accent1"/>
+          </a:fillRef>
+          <a:effectRef idx="0">
+            <a:schemeClr val="accent1"/>
+          </a:effectRef>
+          <a:fontRef idx="minor">
+            <a:schemeClr val="tx1"/>
+          </a:fontRef>
+        </p:style>
+      </p:cxnSp>
+      <p:cxnSp>
+        <p:nvCxnSpPr>
+          <p:cNvPr id="71" name="Straight Arrow Connector 70">
+            <a:extLst>
+              <a:ext uri="{FF2B5EF4-FFF2-40B4-BE49-F238E27FC236}">
+                <a16:creationId xmlns:a16="http://schemas.microsoft.com/office/drawing/2014/main" id="{BE612400-2E76-9C46-A8A1-D08FE9F34A79}"/>
+              </a:ext>
+            </a:extLst>
+          </p:cNvPr>
+          <p:cNvCxnSpPr>
+            <a:cxnSpLocks/>
+          </p:cNvCxnSpPr>
+          <p:nvPr/>
+        </p:nvCxnSpPr>
+        <p:spPr>
+          <a:xfrm>
+            <a:off x="7529415" y="5641034"/>
+            <a:ext cx="383162" cy="0"/>
+          </a:xfrm>
+          <a:prstGeom prst="straightConnector1">
+            <a:avLst/>
+          </a:prstGeom>
+          <a:ln>
+            <a:tailEnd type="triangle"/>
+          </a:ln>
+        </p:spPr>
+        <p:style>
+          <a:lnRef idx="1">
+            <a:schemeClr val="accent1"/>
+          </a:lnRef>
+          <a:fillRef idx="0">
+            <a:schemeClr val="accent1"/>
+          </a:fillRef>
+          <a:effectRef idx="0">
+            <a:schemeClr val="accent1"/>
+          </a:effectRef>
+          <a:fontRef idx="minor">
+            <a:schemeClr val="tx1"/>
+          </a:fontRef>
+        </p:style>
+      </p:cxnSp>
+      <p:cxnSp>
+        <p:nvCxnSpPr>
+          <p:cNvPr id="75" name="Straight Arrow Connector 74">
+            <a:extLst>
+              <a:ext uri="{FF2B5EF4-FFF2-40B4-BE49-F238E27FC236}">
+                <a16:creationId xmlns:a16="http://schemas.microsoft.com/office/drawing/2014/main" id="{D5EA91F5-A4EB-C448-AA5B-69BBB3EC72A9}"/>
+              </a:ext>
+            </a:extLst>
+          </p:cNvPr>
+          <p:cNvCxnSpPr>
+            <a:cxnSpLocks/>
+            <a:endCxn id="5" idx="0"/>
+          </p:cNvCxnSpPr>
+          <p:nvPr/>
+        </p:nvCxnSpPr>
+        <p:spPr>
+          <a:xfrm>
+            <a:off x="9208757" y="5941202"/>
+            <a:ext cx="0" cy="330637"/>
+          </a:xfrm>
+          <a:prstGeom prst="straightConnector1">
+            <a:avLst/>
+          </a:prstGeom>
+          <a:ln>
+            <a:tailEnd type="triangle"/>
+          </a:ln>
+        </p:spPr>
+        <p:style>
+          <a:lnRef idx="1">
+            <a:schemeClr val="accent1"/>
+          </a:lnRef>
+          <a:fillRef idx="0">
+            <a:schemeClr val="accent1"/>
+          </a:fillRef>
+          <a:effectRef idx="0">
+            <a:schemeClr val="accent1"/>
+          </a:effectRef>
+          <a:fontRef idx="minor">
+            <a:schemeClr val="tx1"/>
+          </a:fontRef>
+        </p:style>
+      </p:cxnSp>
+      <p:cxnSp>
+        <p:nvCxnSpPr>
+          <p:cNvPr id="84" name="Straight Arrow Connector 83">
+            <a:extLst>
+              <a:ext uri="{FF2B5EF4-FFF2-40B4-BE49-F238E27FC236}">
+                <a16:creationId xmlns:a16="http://schemas.microsoft.com/office/drawing/2014/main" id="{44312561-D245-F74A-B733-31714364D235}"/>
+              </a:ext>
+            </a:extLst>
+          </p:cNvPr>
+          <p:cNvCxnSpPr>
+            <a:cxnSpLocks/>
+            <a:endCxn id="14" idx="1"/>
+          </p:cNvCxnSpPr>
+          <p:nvPr/>
+        </p:nvCxnSpPr>
+        <p:spPr>
+          <a:xfrm>
+            <a:off x="4431022" y="5653070"/>
+            <a:ext cx="540438" cy="1"/>
+          </a:xfrm>
+          <a:prstGeom prst="straightConnector1">
+            <a:avLst/>
+          </a:prstGeom>
+          <a:ln>
+            <a:tailEnd type="triangle"/>
+          </a:ln>
+        </p:spPr>
+        <p:style>
+          <a:lnRef idx="1">
+            <a:schemeClr val="accent1"/>
+          </a:lnRef>
+          <a:fillRef idx="0">
+            <a:schemeClr val="accent1"/>
+          </a:fillRef>
+          <a:effectRef idx="0">
+            <a:schemeClr val="accent1"/>
+          </a:effectRef>
+          <a:fontRef idx="minor">
+            <a:schemeClr val="tx1"/>
+          </a:fontRef>
+        </p:style>
+      </p:cxnSp>
+      <p:sp>
+        <p:nvSpPr>
+          <p:cNvPr id="90" name="TextBox 89">
+            <a:extLst>
+              <a:ext uri="{FF2B5EF4-FFF2-40B4-BE49-F238E27FC236}">
+                <a16:creationId xmlns:a16="http://schemas.microsoft.com/office/drawing/2014/main" id="{224F527A-FF27-E441-B0DA-4189A4A190CB}"/>
+              </a:ext>
+            </a:extLst>
+          </p:cNvPr>
+          <p:cNvSpPr txBox="1"/>
+          <p:nvPr/>
+        </p:nvSpPr>
+        <p:spPr>
+          <a:xfrm>
+            <a:off x="4706400" y="11016"/>
+            <a:ext cx="1489812" cy="519351"/>
+          </a:xfrm>
+          <a:prstGeom prst="ellipse">
+            <a:avLst/>
+          </a:prstGeom>
+        </p:spPr>
+        <p:style>
+          <a:lnRef idx="2">
+            <a:schemeClr val="accent1">
+              <a:shade val="50000"/>
+            </a:schemeClr>
+          </a:lnRef>
+          <a:fillRef idx="1">
+            <a:schemeClr val="accent1"/>
+          </a:fillRef>
+          <a:effectRef idx="0">
+            <a:schemeClr val="accent1"/>
+          </a:effectRef>
+          <a:fontRef idx="minor">
+            <a:schemeClr val="lt1"/>
+          </a:fontRef>
+        </p:style>
+        <p:txBody>
           <a:bodyPr wrap="square" rtlCol="0">
             <a:spAutoFit/>
           </a:bodyPr>
           <a:lstStyle/>
           <a:p>
-            <a:r>
-              <a:rPr lang="en-US" dirty="0"/>
-              <a:t>A</a:t>
-            </a:r>
+            <a:pPr algn="ctr"/>
             <a:r>
               <a:rPr lang="en-MX" dirty="0"/>
-              <a:t>p = input(0) + lambda_table</a:t>
-            </a:r>
-          </a:p>
-          <a:p>
-            <a:r>
-              <a:rPr lang="en-US" dirty="0"/>
-              <a:t>M</a:t>
-            </a:r>
-            <a:r>
-              <a:rPr lang="en-MX" dirty="0"/>
-              <a:t>l = input(1) +  (x_range/2)</a:t>
-            </a:r>
-          </a:p>
-          <a:p>
-            <a:r>
-              <a:rPr lang="en-US" dirty="0"/>
-              <a:t>V</a:t>
-            </a:r>
-            <a:r>
-              <a:rPr lang="en-MX" dirty="0"/>
-              <a:t>d = input(2) + (y_range/2)</a:t>
-            </a:r>
-          </a:p>
-        </p:txBody>
-      </p:sp>
+              <a:t>Start</a:t>
+            </a:r>
+          </a:p>
+        </p:txBody>
+      </p:sp>
+      <p:cxnSp>
+        <p:nvCxnSpPr>
+          <p:cNvPr id="94" name="Straight Arrow Connector 93">
+            <a:extLst>
+              <a:ext uri="{FF2B5EF4-FFF2-40B4-BE49-F238E27FC236}">
+                <a16:creationId xmlns:a16="http://schemas.microsoft.com/office/drawing/2014/main" id="{7DE42C6F-ADEC-6C4B-88FC-02BA859B6C76}"/>
+              </a:ext>
+            </a:extLst>
+          </p:cNvPr>
+          <p:cNvCxnSpPr>
+            <a:cxnSpLocks/>
+            <a:stCxn id="90" idx="4"/>
+            <a:endCxn id="4" idx="0"/>
+          </p:cNvCxnSpPr>
+          <p:nvPr/>
+        </p:nvCxnSpPr>
+        <p:spPr>
+          <a:xfrm>
+            <a:off x="5451306" y="530367"/>
+            <a:ext cx="0" cy="205443"/>
+          </a:xfrm>
+          <a:prstGeom prst="straightConnector1">
+            <a:avLst/>
+          </a:prstGeom>
+          <a:ln>
+            <a:tailEnd type="triangle"/>
+          </a:ln>
+        </p:spPr>
+        <p:style>
+          <a:lnRef idx="1">
+            <a:schemeClr val="accent1"/>
+          </a:lnRef>
+          <a:fillRef idx="0">
+            <a:schemeClr val="accent1"/>
+          </a:fillRef>
+          <a:effectRef idx="0">
+            <a:schemeClr val="accent1"/>
+          </a:effectRef>
+          <a:fontRef idx="minor">
+            <a:schemeClr val="tx1"/>
+          </a:fontRef>
+        </p:style>
+      </p:cxnSp>
     </p:spTree>
     <p:extLst>
       <p:ext uri="{BB962C8B-B14F-4D97-AF65-F5344CB8AC3E}">
